--- a/figures/IPM_kernel_figure.pptx
+++ b/figures/IPM_kernel_figure.pptx
@@ -254,7 +254,7 @@
           <a:p>
             <a:fld id="{377E1707-1550-6840-9D43-77018C191986}" type="datetimeFigureOut">
               <a:rPr lang="en-US" smtClean="0"/>
-              <a:t>3/13/22</a:t>
+              <a:t>4/26/22</a:t>
             </a:fld>
             <a:endParaRPr lang="en-US"/>
           </a:p>
@@ -424,7 +424,7 @@
           <a:p>
             <a:fld id="{377E1707-1550-6840-9D43-77018C191986}" type="datetimeFigureOut">
               <a:rPr lang="en-US" smtClean="0"/>
-              <a:t>3/13/22</a:t>
+              <a:t>4/26/22</a:t>
             </a:fld>
             <a:endParaRPr lang="en-US"/>
           </a:p>
@@ -604,7 +604,7 @@
           <a:p>
             <a:fld id="{377E1707-1550-6840-9D43-77018C191986}" type="datetimeFigureOut">
               <a:rPr lang="en-US" smtClean="0"/>
-              <a:t>3/13/22</a:t>
+              <a:t>4/26/22</a:t>
             </a:fld>
             <a:endParaRPr lang="en-US"/>
           </a:p>
@@ -774,7 +774,7 @@
           <a:p>
             <a:fld id="{377E1707-1550-6840-9D43-77018C191986}" type="datetimeFigureOut">
               <a:rPr lang="en-US" smtClean="0"/>
-              <a:t>3/13/22</a:t>
+              <a:t>4/26/22</a:t>
             </a:fld>
             <a:endParaRPr lang="en-US"/>
           </a:p>
@@ -1018,7 +1018,7 @@
           <a:p>
             <a:fld id="{377E1707-1550-6840-9D43-77018C191986}" type="datetimeFigureOut">
               <a:rPr lang="en-US" smtClean="0"/>
-              <a:t>3/13/22</a:t>
+              <a:t>4/26/22</a:t>
             </a:fld>
             <a:endParaRPr lang="en-US"/>
           </a:p>
@@ -1250,7 +1250,7 @@
           <a:p>
             <a:fld id="{377E1707-1550-6840-9D43-77018C191986}" type="datetimeFigureOut">
               <a:rPr lang="en-US" smtClean="0"/>
-              <a:t>3/13/22</a:t>
+              <a:t>4/26/22</a:t>
             </a:fld>
             <a:endParaRPr lang="en-US"/>
           </a:p>
@@ -1617,7 +1617,7 @@
           <a:p>
             <a:fld id="{377E1707-1550-6840-9D43-77018C191986}" type="datetimeFigureOut">
               <a:rPr lang="en-US" smtClean="0"/>
-              <a:t>3/13/22</a:t>
+              <a:t>4/26/22</a:t>
             </a:fld>
             <a:endParaRPr lang="en-US"/>
           </a:p>
@@ -1735,7 +1735,7 @@
           <a:p>
             <a:fld id="{377E1707-1550-6840-9D43-77018C191986}" type="datetimeFigureOut">
               <a:rPr lang="en-US" smtClean="0"/>
-              <a:t>3/13/22</a:t>
+              <a:t>4/26/22</a:t>
             </a:fld>
             <a:endParaRPr lang="en-US"/>
           </a:p>
@@ -1830,7 +1830,7 @@
           <a:p>
             <a:fld id="{377E1707-1550-6840-9D43-77018C191986}" type="datetimeFigureOut">
               <a:rPr lang="en-US" smtClean="0"/>
-              <a:t>3/13/22</a:t>
+              <a:t>4/26/22</a:t>
             </a:fld>
             <a:endParaRPr lang="en-US"/>
           </a:p>
@@ -2107,7 +2107,7 @@
           <a:p>
             <a:fld id="{377E1707-1550-6840-9D43-77018C191986}" type="datetimeFigureOut">
               <a:rPr lang="en-US" smtClean="0"/>
-              <a:t>3/13/22</a:t>
+              <a:t>4/26/22</a:t>
             </a:fld>
             <a:endParaRPr lang="en-US"/>
           </a:p>
@@ -2364,7 +2364,7 @@
           <a:p>
             <a:fld id="{377E1707-1550-6840-9D43-77018C191986}" type="datetimeFigureOut">
               <a:rPr lang="en-US" smtClean="0"/>
-              <a:t>3/13/22</a:t>
+              <a:t>4/26/22</a:t>
             </a:fld>
             <a:endParaRPr lang="en-US"/>
           </a:p>
@@ -2577,7 +2577,7 @@
           <a:p>
             <a:fld id="{377E1707-1550-6840-9D43-77018C191986}" type="datetimeFigureOut">
               <a:rPr lang="en-US" smtClean="0"/>
-              <a:t>3/13/22</a:t>
+              <a:t>4/26/22</a:t>
             </a:fld>
             <a:endParaRPr lang="en-US"/>
           </a:p>
@@ -2984,53 +2984,6 @@
       </p:grpSpPr>
       <p:pic>
         <p:nvPicPr>
-          <p:cNvPr id="1027" name="Picture 5" descr="Diagram&#10;&#10;Description automatically generated">
-            <a:extLst>
-              <a:ext uri="{FF2B5EF4-FFF2-40B4-BE49-F238E27FC236}">
-                <a16:creationId xmlns:a16="http://schemas.microsoft.com/office/drawing/2014/main" id="{002116BC-0493-E444-87F2-473C99146A20}"/>
-              </a:ext>
-            </a:extLst>
-          </p:cNvPr>
-          <p:cNvPicPr>
-            <a:picLocks noChangeAspect="1" noChangeArrowheads="1"/>
-          </p:cNvPicPr>
-          <p:nvPr/>
-        </p:nvPicPr>
-        <p:blipFill>
-          <a:blip r:embed="rId2">
-            <a:extLst>
-              <a:ext uri="{28A0092B-C50C-407E-A947-70E740481C1C}">
-                <a14:useLocalDpi xmlns:a14="http://schemas.microsoft.com/office/drawing/2010/main" val="0"/>
-              </a:ext>
-            </a:extLst>
-          </a:blip>
-          <a:srcRect/>
-          <a:stretch>
-            <a:fillRect/>
-          </a:stretch>
-        </p:blipFill>
-        <p:spPr bwMode="auto">
-          <a:xfrm>
-            <a:off x="99588" y="565179"/>
-            <a:ext cx="3737987" cy="3320146"/>
-          </a:xfrm>
-          <a:prstGeom prst="rect">
-            <a:avLst/>
-          </a:prstGeom>
-          <a:noFill/>
-          <a:extLst>
-            <a:ext uri="{909E8E84-426E-40DD-AFC4-6F175D3DCCD1}">
-              <a14:hiddenFill xmlns:a14="http://schemas.microsoft.com/office/drawing/2010/main">
-                <a:solidFill>
-                  <a:srgbClr val="FFFFFF"/>
-                </a:solidFill>
-              </a14:hiddenFill>
-            </a:ext>
-          </a:extLst>
-        </p:spPr>
-      </p:pic>
-      <p:pic>
-        <p:nvPicPr>
           <p:cNvPr id="1026" name="Picture 8" descr="Diagram&#10;&#10;Description automatically generated">
             <a:extLst>
               <a:ext uri="{FF2B5EF4-FFF2-40B4-BE49-F238E27FC236}">
@@ -3044,7 +2997,7 @@
           <p:nvPr/>
         </p:nvPicPr>
         <p:blipFill>
-          <a:blip r:embed="rId3">
+          <a:blip r:embed="rId2">
             <a:extLst>
               <a:ext uri="{28A0092B-C50C-407E-A947-70E740481C1C}">
                 <a14:useLocalDpi xmlns:a14="http://schemas.microsoft.com/office/drawing/2010/main" val="0"/>
@@ -3091,7 +3044,7 @@
           <p:nvPr/>
         </p:nvPicPr>
         <p:blipFill>
-          <a:blip r:embed="rId4">
+          <a:blip r:embed="rId3">
             <a:extLst>
               <a:ext uri="{28A0092B-C50C-407E-A947-70E740481C1C}">
                 <a14:useLocalDpi xmlns:a14="http://schemas.microsoft.com/office/drawing/2010/main" val="0"/>
@@ -3617,6 +3570,35 @@
           </a:fontRef>
         </p:style>
       </p:cxnSp>
+      <p:pic>
+        <p:nvPicPr>
+          <p:cNvPr id="2" name="Picture 1">
+            <a:extLst>
+              <a:ext uri="{FF2B5EF4-FFF2-40B4-BE49-F238E27FC236}">
+                <a16:creationId xmlns:a16="http://schemas.microsoft.com/office/drawing/2014/main" id="{7BB6084A-6EBF-65D1-5EFE-4B2B0616FB0B}"/>
+              </a:ext>
+            </a:extLst>
+          </p:cNvPr>
+          <p:cNvPicPr>
+            <a:picLocks noChangeAspect="1"/>
+          </p:cNvPicPr>
+          <p:nvPr/>
+        </p:nvPicPr>
+        <p:blipFill rotWithShape="1">
+          <a:blip r:embed="rId4"/>
+          <a:srcRect l="2607" t="3406" r="3553"/>
+          <a:stretch/>
+        </p:blipFill>
+        <p:spPr>
+          <a:xfrm>
+            <a:off x="231115" y="924453"/>
+            <a:ext cx="3485682" cy="2753248"/>
+          </a:xfrm>
+          <a:prstGeom prst="rect">
+            <a:avLst/>
+          </a:prstGeom>
+        </p:spPr>
+      </p:pic>
     </p:spTree>
     <p:extLst>
       <p:ext uri="{BB962C8B-B14F-4D97-AF65-F5344CB8AC3E}">
